--- a/GIT.pptx
+++ b/GIT.pptx
@@ -8,8 +8,8 @@
     <p:sldId id="256" r:id="rId2"/>
     <p:sldId id="264" r:id="rId3"/>
     <p:sldId id="265" r:id="rId4"/>
-    <p:sldId id="257" r:id="rId5"/>
-    <p:sldId id="258" r:id="rId6"/>
+    <p:sldId id="258" r:id="rId5"/>
+    <p:sldId id="271" r:id="rId6"/>
     <p:sldId id="259" r:id="rId7"/>
     <p:sldId id="260" r:id="rId8"/>
     <p:sldId id="266" r:id="rId9"/>
@@ -19,7 +19,8 @@
     <p:sldId id="270" r:id="rId13"/>
     <p:sldId id="261" r:id="rId14"/>
     <p:sldId id="262" r:id="rId15"/>
-    <p:sldId id="263" r:id="rId16"/>
+    <p:sldId id="257" r:id="rId16"/>
+    <p:sldId id="263" r:id="rId17"/>
   </p:sldIdLst>
   <p:sldSz cx="12192000" cy="6858000"/>
   <p:notesSz cx="6858000" cy="9144000"/>
@@ -118,6 +119,11 @@
       </a:defRPr>
     </a:lvl9pPr>
   </p:defaultTextStyle>
+  <p:extLst>
+    <p:ext uri="{EFAFB233-063F-42B5-8137-9DF3F51BA10A}">
+      <p15:sldGuideLst xmlns:p15="http://schemas.microsoft.com/office/powerpoint/2012/main"/>
+    </p:ext>
+  </p:extLst>
 </p:presentation>
 </file>
 
@@ -291,7 +297,7 @@
             <a:fld id="{87DE6118-2437-4B30-8E3C-4D2BE6020583}" type="datetimeFigureOut">
               <a:rPr lang="en-US" dirty="0"/>
               <a:pPr/>
-              <a:t>6/1/2019</a:t>
+              <a:t>6/2/2019</a:t>
             </a:fld>
             <a:endParaRPr lang="en-US" dirty="0"/>
           </a:p>
@@ -617,7 +623,7 @@
           <a:p>
             <a:fld id="{87DE6118-2437-4B30-8E3C-4D2BE6020583}" type="datetimeFigureOut">
               <a:rPr lang="en-US" dirty="0"/>
-              <a:t>6/1/2019</a:t>
+              <a:t>6/2/2019</a:t>
             </a:fld>
             <a:endParaRPr lang="en-US" dirty="0"/>
           </a:p>
@@ -792,7 +798,7 @@
           <a:p>
             <a:fld id="{87DE6118-2437-4B30-8E3C-4D2BE6020583}" type="datetimeFigureOut">
               <a:rPr lang="en-US" dirty="0"/>
-              <a:t>6/1/2019</a:t>
+              <a:t>6/2/2019</a:t>
             </a:fld>
             <a:endParaRPr lang="en-US" dirty="0"/>
           </a:p>
@@ -957,7 +963,7 @@
           <a:p>
             <a:fld id="{87DE6118-2437-4B30-8E3C-4D2BE6020583}" type="datetimeFigureOut">
               <a:rPr lang="en-US" dirty="0"/>
-              <a:t>6/1/2019</a:t>
+              <a:t>6/2/2019</a:t>
             </a:fld>
             <a:endParaRPr lang="en-US" dirty="0"/>
           </a:p>
@@ -1230,7 +1236,7 @@
             <a:fld id="{87DE6118-2437-4B30-8E3C-4D2BE6020583}" type="datetimeFigureOut">
               <a:rPr lang="en-US" dirty="0"/>
               <a:pPr/>
-              <a:t>6/1/2019</a:t>
+              <a:t>6/2/2019</a:t>
             </a:fld>
             <a:endParaRPr lang="en-US" dirty="0"/>
           </a:p>
@@ -1620,7 +1626,7 @@
           <a:p>
             <a:fld id="{87DE6118-2437-4B30-8E3C-4D2BE6020583}" type="datetimeFigureOut">
               <a:rPr lang="en-US" dirty="0"/>
-              <a:t>6/1/2019</a:t>
+              <a:t>6/2/2019</a:t>
             </a:fld>
             <a:endParaRPr lang="en-US" dirty="0"/>
           </a:p>
@@ -2092,7 +2098,7 @@
           <a:p>
             <a:fld id="{87DE6118-2437-4B30-8E3C-4D2BE6020583}" type="datetimeFigureOut">
               <a:rPr lang="en-US" dirty="0"/>
-              <a:t>6/1/2019</a:t>
+              <a:t>6/2/2019</a:t>
             </a:fld>
             <a:endParaRPr lang="en-US" dirty="0"/>
           </a:p>
@@ -2205,7 +2211,7 @@
           <a:p>
             <a:fld id="{87DE6118-2437-4B30-8E3C-4D2BE6020583}" type="datetimeFigureOut">
               <a:rPr lang="en-US" dirty="0"/>
-              <a:t>6/1/2019</a:t>
+              <a:t>6/2/2019</a:t>
             </a:fld>
             <a:endParaRPr lang="en-US" dirty="0"/>
           </a:p>
@@ -2295,7 +2301,7 @@
           <a:p>
             <a:fld id="{87DE6118-2437-4B30-8E3C-4D2BE6020583}" type="datetimeFigureOut">
               <a:rPr lang="en-US" dirty="0"/>
-              <a:t>6/1/2019</a:t>
+              <a:t>6/2/2019</a:t>
             </a:fld>
             <a:endParaRPr lang="en-US" dirty="0"/>
           </a:p>
@@ -2637,7 +2643,7 @@
             <a:fld id="{87DE6118-2437-4B30-8E3C-4D2BE6020583}" type="datetimeFigureOut">
               <a:rPr lang="en-US" dirty="0"/>
               <a:pPr/>
-              <a:t>6/1/2019</a:t>
+              <a:t>6/2/2019</a:t>
             </a:fld>
             <a:endParaRPr lang="en-US" dirty="0"/>
           </a:p>
@@ -3022,7 +3028,7 @@
             <a:fld id="{87DE6118-2437-4B30-8E3C-4D2BE6020583}" type="datetimeFigureOut">
               <a:rPr lang="en-US" dirty="0"/>
               <a:pPr/>
-              <a:t>6/1/2019</a:t>
+              <a:t>6/2/2019</a:t>
             </a:fld>
             <a:endParaRPr lang="en-US" dirty="0"/>
           </a:p>
@@ -3297,7 +3303,7 @@
             <a:fld id="{87DE6118-2437-4B30-8E3C-4D2BE6020583}" type="datetimeFigureOut">
               <a:rPr lang="en-US" dirty="0"/>
               <a:pPr/>
-              <a:t>6/1/2019</a:t>
+              <a:t>6/2/2019</a:t>
             </a:fld>
             <a:endParaRPr lang="en-US" dirty="0"/>
           </a:p>
@@ -3969,7 +3975,88 @@
           <a:bodyPr/>
           <a:lstStyle/>
           <a:p>
-            <a:endParaRPr lang="de-DE"/>
+            <a:r>
+              <a:rPr lang="en-US" dirty="0" err="1"/>
+              <a:t>Drei</a:t>
+            </a:r>
+            <a:r>
+              <a:rPr lang="en-US" dirty="0"/>
+              <a:t>-</a:t>
+            </a:r>
+            <a:r>
+              <a:rPr lang="en-US" dirty="0" err="1"/>
+              <a:t>Wege</a:t>
+            </a:r>
+            <a:r>
+              <a:rPr lang="en-US" dirty="0"/>
+              <a:t>-Merge</a:t>
+            </a:r>
+          </a:p>
+          <a:p>
+            <a:r>
+              <a:rPr lang="en-US" dirty="0" err="1"/>
+              <a:t>Führt</a:t>
+            </a:r>
+            <a:r>
+              <a:rPr lang="en-US" dirty="0"/>
+              <a:t> </a:t>
+            </a:r>
+            <a:r>
+              <a:rPr lang="en-US" dirty="0" err="1"/>
+              <a:t>Änderungen</a:t>
+            </a:r>
+            <a:r>
+              <a:rPr lang="en-US" dirty="0"/>
+              <a:t> </a:t>
+            </a:r>
+            <a:r>
+              <a:rPr lang="en-US" dirty="0" err="1"/>
+              <a:t>aus</a:t>
+            </a:r>
+            <a:r>
+              <a:rPr lang="en-US" dirty="0"/>
+              <a:t> </a:t>
+            </a:r>
+            <a:r>
+              <a:rPr lang="en-US" dirty="0" err="1"/>
+              <a:t>zwei</a:t>
+            </a:r>
+            <a:r>
+              <a:rPr lang="en-US" dirty="0"/>
+              <a:t> </a:t>
+            </a:r>
+            <a:r>
+              <a:rPr lang="en-US" dirty="0" err="1"/>
+              <a:t>Pfaden</a:t>
+            </a:r>
+            <a:r>
+              <a:rPr lang="en-US" dirty="0"/>
+              <a:t> </a:t>
+            </a:r>
+            <a:r>
+              <a:rPr lang="en-US" dirty="0" err="1"/>
+              <a:t>zusammen</a:t>
+            </a:r>
+            <a:endParaRPr lang="en-US" dirty="0"/>
+          </a:p>
+          <a:p>
+            <a:r>
+              <a:rPr lang="en-US" dirty="0" err="1"/>
+              <a:t>Erstellt</a:t>
+            </a:r>
+            <a:r>
+              <a:rPr lang="en-US" dirty="0"/>
+              <a:t> </a:t>
+            </a:r>
+            <a:r>
+              <a:rPr lang="en-US" dirty="0" err="1"/>
+              <a:t>neuen</a:t>
+            </a:r>
+            <a:r>
+              <a:rPr lang="en-US" dirty="0"/>
+              <a:t> Commit</a:t>
+            </a:r>
+            <a:endParaRPr lang="de-DE" dirty="0"/>
           </a:p>
         </p:txBody>
       </p:sp>
@@ -4053,7 +4140,75 @@
           <a:bodyPr/>
           <a:lstStyle/>
           <a:p>
-            <a:endParaRPr lang="de-DE"/>
+            <a:r>
+              <a:rPr lang="en-US" dirty="0" err="1"/>
+              <a:t>Übersichtlichkeit</a:t>
+            </a:r>
+            <a:endParaRPr lang="en-US" dirty="0"/>
+          </a:p>
+          <a:p>
+            <a:r>
+              <a:rPr lang="en-US" dirty="0"/>
+              <a:t>Commits </a:t>
+            </a:r>
+            <a:r>
+              <a:rPr lang="en-US" dirty="0" err="1"/>
+              <a:t>werden</a:t>
+            </a:r>
+            <a:r>
+              <a:rPr lang="en-US" dirty="0"/>
+              <a:t> auf </a:t>
+            </a:r>
+            <a:r>
+              <a:rPr lang="en-US" dirty="0" err="1"/>
+              <a:t>gewünschten</a:t>
+            </a:r>
+            <a:r>
+              <a:rPr lang="en-US" dirty="0"/>
+              <a:t> </a:t>
+            </a:r>
+            <a:r>
+              <a:rPr lang="en-US" dirty="0" err="1"/>
+              <a:t>Pfad</a:t>
+            </a:r>
+            <a:r>
+              <a:rPr lang="en-US" dirty="0"/>
+              <a:t> </a:t>
+            </a:r>
+            <a:r>
+              <a:rPr lang="en-US" dirty="0" err="1"/>
+              <a:t>angewandt</a:t>
+            </a:r>
+            <a:endParaRPr lang="en-US" dirty="0"/>
+          </a:p>
+          <a:p>
+            <a:r>
+              <a:rPr lang="en-US" dirty="0" err="1"/>
+              <a:t>Hautpfad</a:t>
+            </a:r>
+            <a:r>
+              <a:rPr lang="en-US" dirty="0"/>
+              <a:t> </a:t>
+            </a:r>
+            <a:r>
+              <a:rPr lang="en-US" dirty="0" err="1"/>
+              <a:t>statt</a:t>
+            </a:r>
+            <a:r>
+              <a:rPr lang="en-US" dirty="0"/>
+              <a:t> </a:t>
+            </a:r>
+            <a:r>
+              <a:rPr lang="en-US" dirty="0" err="1"/>
+              <a:t>Nebenpfade</a:t>
+            </a:r>
+            <a:endParaRPr lang="en-US" dirty="0"/>
+          </a:p>
+          <a:p>
+            <a:endParaRPr lang="en-US" dirty="0"/>
+          </a:p>
+          <a:p>
+            <a:endParaRPr lang="de-DE" dirty="0"/>
           </a:p>
         </p:txBody>
       </p:sp>
@@ -4137,7 +4292,45 @@
           <a:bodyPr/>
           <a:lstStyle/>
           <a:p>
-            <a:endParaRPr lang="de-DE"/>
+            <a:r>
+              <a:rPr lang="en-US" dirty="0" err="1"/>
+              <a:t>Übersichtlichkeit</a:t>
+            </a:r>
+            <a:endParaRPr lang="en-US" dirty="0"/>
+          </a:p>
+          <a:p>
+            <a:r>
+              <a:rPr lang="en-US" dirty="0" err="1"/>
+              <a:t>Führt</a:t>
+            </a:r>
+            <a:r>
+              <a:rPr lang="en-US" dirty="0"/>
+              <a:t> </a:t>
+            </a:r>
+            <a:r>
+              <a:rPr lang="en-US" dirty="0" err="1"/>
+              <a:t>mehrere</a:t>
+            </a:r>
+            <a:r>
+              <a:rPr lang="en-US" dirty="0"/>
+              <a:t> Commits </a:t>
+            </a:r>
+            <a:r>
+              <a:rPr lang="en-US" dirty="0" err="1"/>
+              <a:t>zusammen</a:t>
+            </a:r>
+            <a:endParaRPr lang="en-US" dirty="0"/>
+          </a:p>
+          <a:p>
+            <a:r>
+              <a:rPr lang="en-US" dirty="0" err="1"/>
+              <a:t>Anwendung</a:t>
+            </a:r>
+            <a:r>
+              <a:rPr lang="en-US" dirty="0"/>
+              <a:t>: Pull Requests</a:t>
+            </a:r>
+            <a:endParaRPr lang="de-DE" dirty="0"/>
           </a:p>
         </p:txBody>
       </p:sp>
@@ -4221,7 +4414,32 @@
           <a:bodyPr/>
           <a:lstStyle/>
           <a:p>
-            <a:endParaRPr lang="de-DE"/>
+            <a:r>
+              <a:rPr lang="en-US" dirty="0" err="1"/>
+              <a:t>Viertes</a:t>
+            </a:r>
+            <a:r>
+              <a:rPr lang="en-US" dirty="0"/>
+              <a:t> Level</a:t>
+            </a:r>
+          </a:p>
+          <a:p>
+            <a:r>
+              <a:rPr lang="de-DE" dirty="0"/>
+              <a:t>Commit wird vorgemerkt im Repository</a:t>
+            </a:r>
+          </a:p>
+          <a:p>
+            <a:r>
+              <a:rPr lang="de-DE" dirty="0"/>
+              <a:t>Administrator gibt Commit frei</a:t>
+            </a:r>
+          </a:p>
+          <a:p>
+            <a:r>
+              <a:rPr lang="de-DE" dirty="0"/>
+              <a:t>Anwendung: Automatisches Code Review</a:t>
+            </a:r>
           </a:p>
         </p:txBody>
       </p:sp>
@@ -4305,7 +4523,36 @@
           <a:bodyPr/>
           <a:lstStyle/>
           <a:p>
-            <a:endParaRPr lang="de-DE"/>
+            <a:r>
+              <a:rPr lang="en-US" dirty="0" err="1"/>
+              <a:t>Github</a:t>
+            </a:r>
+            <a:endParaRPr lang="en-US" dirty="0"/>
+          </a:p>
+          <a:p>
+            <a:r>
+              <a:rPr lang="en-US" dirty="0" err="1"/>
+              <a:t>GitKraken</a:t>
+            </a:r>
+            <a:r>
+              <a:rPr lang="en-US" dirty="0"/>
+              <a:t> (Windows und Linux)</a:t>
+            </a:r>
+          </a:p>
+          <a:p>
+            <a:r>
+              <a:rPr lang="en-US" dirty="0"/>
+              <a:t>Premium Accounts </a:t>
+            </a:r>
+            <a:r>
+              <a:rPr lang="en-US" dirty="0" err="1"/>
+              <a:t>als</a:t>
+            </a:r>
+            <a:r>
+              <a:rPr lang="en-US" dirty="0"/>
+              <a:t> Student</a:t>
+            </a:r>
+            <a:endParaRPr lang="de-DE" dirty="0"/>
           </a:p>
         </p:txBody>
       </p:sp>
@@ -4344,6 +4591,357 @@
           <p:cNvPr id="2" name="Titel 1">
             <a:extLst>
               <a:ext uri="{FF2B5EF4-FFF2-40B4-BE49-F238E27FC236}">
+                <a16:creationId xmlns:a16="http://schemas.microsoft.com/office/drawing/2014/main" id="{A2FCBE08-7A13-47A1-A765-B2B30D519C47}"/>
+              </a:ext>
+            </a:extLst>
+          </p:cNvPr>
+          <p:cNvSpPr>
+            <a:spLocks noGrp="1"/>
+          </p:cNvSpPr>
+          <p:nvPr>
+            <p:ph type="title"/>
+          </p:nvPr>
+        </p:nvSpPr>
+        <p:spPr/>
+        <p:txBody>
+          <a:bodyPr/>
+          <a:lstStyle/>
+          <a:p>
+            <a:pPr algn="ctr"/>
+            <a:r>
+              <a:rPr lang="en-US" dirty="0"/>
+              <a:t>Git vs Subversion</a:t>
+            </a:r>
+            <a:endParaRPr lang="de-DE" dirty="0"/>
+          </a:p>
+        </p:txBody>
+      </p:sp>
+      <p:sp>
+        <p:nvSpPr>
+          <p:cNvPr id="3" name="Inhaltsplatzhalter 2">
+            <a:extLst>
+              <a:ext uri="{FF2B5EF4-FFF2-40B4-BE49-F238E27FC236}">
+                <a16:creationId xmlns:a16="http://schemas.microsoft.com/office/drawing/2014/main" id="{EAA26339-6EEA-413F-A609-6212BF02EF4A}"/>
+              </a:ext>
+            </a:extLst>
+          </p:cNvPr>
+          <p:cNvSpPr>
+            <a:spLocks noGrp="1"/>
+          </p:cNvSpPr>
+          <p:nvPr>
+            <p:ph idx="1"/>
+          </p:nvPr>
+        </p:nvSpPr>
+        <p:spPr>
+          <a:xfrm>
+            <a:off x="1371600" y="2286000"/>
+            <a:ext cx="3814011" cy="3581400"/>
+          </a:xfrm>
+        </p:spPr>
+        <p:txBody>
+          <a:bodyPr/>
+          <a:lstStyle/>
+          <a:p>
+            <a:r>
+              <a:rPr lang="en-US" dirty="0" err="1"/>
+              <a:t>Dezentrales</a:t>
+            </a:r>
+            <a:r>
+              <a:rPr lang="en-US" dirty="0"/>
+              <a:t> Repository</a:t>
+            </a:r>
+          </a:p>
+          <a:p>
+            <a:r>
+              <a:rPr lang="en-US" dirty="0"/>
+              <a:t>Copy Modify Merge</a:t>
+            </a:r>
+          </a:p>
+          <a:p>
+            <a:r>
+              <a:rPr lang="en-US" dirty="0"/>
+              <a:t>Offline working</a:t>
+            </a:r>
+          </a:p>
+        </p:txBody>
+      </p:sp>
+      <p:sp>
+        <p:nvSpPr>
+          <p:cNvPr id="5" name="Inhaltsplatzhalter 2">
+            <a:extLst>
+              <a:ext uri="{FF2B5EF4-FFF2-40B4-BE49-F238E27FC236}">
+                <a16:creationId xmlns:a16="http://schemas.microsoft.com/office/drawing/2014/main" id="{5585B936-905B-4D34-9653-1DE9196A6718}"/>
+              </a:ext>
+            </a:extLst>
+          </p:cNvPr>
+          <p:cNvSpPr txBox="1">
+            <a:spLocks/>
+          </p:cNvSpPr>
+          <p:nvPr/>
+        </p:nvSpPr>
+        <p:spPr>
+          <a:xfrm>
+            <a:off x="6330892" y="2286000"/>
+            <a:ext cx="3814011" cy="3581400"/>
+          </a:xfrm>
+          <a:prstGeom prst="rect">
+            <a:avLst/>
+          </a:prstGeom>
+        </p:spPr>
+        <p:txBody>
+          <a:bodyPr vert="horz" lIns="91440" tIns="45720" rIns="91440" bIns="45720" rtlCol="0">
+            <a:normAutofit/>
+          </a:bodyPr>
+          <a:lstStyle>
+            <a:lvl1pPr marL="384048" indent="-384048" algn="l" defTabSz="914400" rtl="0" eaLnBrk="1" latinLnBrk="0" hangingPunct="1">
+              <a:lnSpc>
+                <a:spcPct val="94000"/>
+              </a:lnSpc>
+              <a:spcBef>
+                <a:spcPts val="1000"/>
+              </a:spcBef>
+              <a:spcAft>
+                <a:spcPts val="200"/>
+              </a:spcAft>
+              <a:buFont typeface="Franklin Gothic Book" panose="020B0503020102020204" pitchFamily="34" charset="0"/>
+              <a:buChar char="■"/>
+              <a:defRPr sz="2000" kern="1200" baseline="0">
+                <a:solidFill>
+                  <a:schemeClr val="tx2"/>
+                </a:solidFill>
+                <a:latin typeface="+mn-lt"/>
+                <a:ea typeface="+mn-ea"/>
+                <a:cs typeface="+mn-cs"/>
+              </a:defRPr>
+            </a:lvl1pPr>
+            <a:lvl2pPr marL="914400" indent="-384048" algn="l" defTabSz="914400" rtl="0" eaLnBrk="1" latinLnBrk="0" hangingPunct="1">
+              <a:lnSpc>
+                <a:spcPct val="94000"/>
+              </a:lnSpc>
+              <a:spcBef>
+                <a:spcPts val="500"/>
+              </a:spcBef>
+              <a:spcAft>
+                <a:spcPts val="200"/>
+              </a:spcAft>
+              <a:buFont typeface="Franklin Gothic Book" panose="020B0503020102020204" pitchFamily="34" charset="0"/>
+              <a:buChar char="–"/>
+              <a:defRPr sz="2000" i="1" kern="1200" baseline="0">
+                <a:solidFill>
+                  <a:schemeClr val="tx2"/>
+                </a:solidFill>
+                <a:latin typeface="+mn-lt"/>
+                <a:ea typeface="+mn-ea"/>
+                <a:cs typeface="+mn-cs"/>
+              </a:defRPr>
+            </a:lvl2pPr>
+            <a:lvl3pPr marL="1371600" indent="-384048" algn="l" defTabSz="914400" rtl="0" eaLnBrk="1" latinLnBrk="0" hangingPunct="1">
+              <a:lnSpc>
+                <a:spcPct val="94000"/>
+              </a:lnSpc>
+              <a:spcBef>
+                <a:spcPts val="500"/>
+              </a:spcBef>
+              <a:spcAft>
+                <a:spcPts val="200"/>
+              </a:spcAft>
+              <a:buFont typeface="Franklin Gothic Book" panose="020B0503020102020204" pitchFamily="34" charset="0"/>
+              <a:buChar char="■"/>
+              <a:defRPr sz="1800" kern="1200" baseline="0">
+                <a:solidFill>
+                  <a:schemeClr val="tx2"/>
+                </a:solidFill>
+                <a:latin typeface="+mn-lt"/>
+                <a:ea typeface="+mn-ea"/>
+                <a:cs typeface="+mn-cs"/>
+              </a:defRPr>
+            </a:lvl3pPr>
+            <a:lvl4pPr marL="1828800" indent="-384048" algn="l" defTabSz="914400" rtl="0" eaLnBrk="1" latinLnBrk="0" hangingPunct="1">
+              <a:lnSpc>
+                <a:spcPct val="94000"/>
+              </a:lnSpc>
+              <a:spcBef>
+                <a:spcPts val="500"/>
+              </a:spcBef>
+              <a:spcAft>
+                <a:spcPts val="200"/>
+              </a:spcAft>
+              <a:buFont typeface="Franklin Gothic Book" panose="020B0503020102020204" pitchFamily="34" charset="0"/>
+              <a:buChar char="–"/>
+              <a:defRPr sz="1800" i="1" kern="1200" baseline="0">
+                <a:solidFill>
+                  <a:schemeClr val="tx2"/>
+                </a:solidFill>
+                <a:latin typeface="+mn-lt"/>
+                <a:ea typeface="+mn-ea"/>
+                <a:cs typeface="+mn-cs"/>
+              </a:defRPr>
+            </a:lvl4pPr>
+            <a:lvl5pPr marL="2286000" indent="-384048" algn="l" defTabSz="914400" rtl="0" eaLnBrk="1" latinLnBrk="0" hangingPunct="1">
+              <a:lnSpc>
+                <a:spcPct val="94000"/>
+              </a:lnSpc>
+              <a:spcBef>
+                <a:spcPts val="500"/>
+              </a:spcBef>
+              <a:spcAft>
+                <a:spcPts val="200"/>
+              </a:spcAft>
+              <a:buFont typeface="Franklin Gothic Book" panose="020B0503020102020204" pitchFamily="34" charset="0"/>
+              <a:buChar char="■"/>
+              <a:defRPr sz="1600" kern="1200" baseline="0">
+                <a:solidFill>
+                  <a:schemeClr val="tx2"/>
+                </a:solidFill>
+                <a:latin typeface="+mn-lt"/>
+                <a:ea typeface="+mn-ea"/>
+                <a:cs typeface="+mn-cs"/>
+              </a:defRPr>
+            </a:lvl5pPr>
+            <a:lvl6pPr marL="2743200" indent="-384048" algn="l" defTabSz="914400" rtl="0" eaLnBrk="1" latinLnBrk="0" hangingPunct="1">
+              <a:lnSpc>
+                <a:spcPct val="94000"/>
+              </a:lnSpc>
+              <a:spcBef>
+                <a:spcPts val="500"/>
+              </a:spcBef>
+              <a:spcAft>
+                <a:spcPts val="200"/>
+              </a:spcAft>
+              <a:buFont typeface="Franklin Gothic Book" panose="020B0503020102020204" pitchFamily="34" charset="0"/>
+              <a:buChar char="–"/>
+              <a:defRPr sz="1600" i="1" kern="1200" baseline="0">
+                <a:solidFill>
+                  <a:schemeClr val="tx2"/>
+                </a:solidFill>
+                <a:latin typeface="+mn-lt"/>
+                <a:ea typeface="+mn-ea"/>
+                <a:cs typeface="+mn-cs"/>
+              </a:defRPr>
+            </a:lvl6pPr>
+            <a:lvl7pPr marL="3200400" indent="-384048" algn="l" defTabSz="914400" rtl="0" eaLnBrk="1" latinLnBrk="0" hangingPunct="1">
+              <a:lnSpc>
+                <a:spcPct val="94000"/>
+              </a:lnSpc>
+              <a:spcBef>
+                <a:spcPts val="500"/>
+              </a:spcBef>
+              <a:spcAft>
+                <a:spcPts val="200"/>
+              </a:spcAft>
+              <a:buFont typeface="Franklin Gothic Book" panose="020B0503020102020204" pitchFamily="34" charset="0"/>
+              <a:buChar char="■"/>
+              <a:defRPr sz="1400" kern="1200" baseline="0">
+                <a:solidFill>
+                  <a:schemeClr val="tx2"/>
+                </a:solidFill>
+                <a:latin typeface="+mn-lt"/>
+                <a:ea typeface="+mn-ea"/>
+                <a:cs typeface="+mn-cs"/>
+              </a:defRPr>
+            </a:lvl7pPr>
+            <a:lvl8pPr marL="3657600" indent="-384048" algn="l" defTabSz="914400" rtl="0" eaLnBrk="1" latinLnBrk="0" hangingPunct="1">
+              <a:lnSpc>
+                <a:spcPct val="94000"/>
+              </a:lnSpc>
+              <a:spcBef>
+                <a:spcPts val="500"/>
+              </a:spcBef>
+              <a:spcAft>
+                <a:spcPts val="200"/>
+              </a:spcAft>
+              <a:buFont typeface="Franklin Gothic Book" panose="020B0503020102020204" pitchFamily="34" charset="0"/>
+              <a:buChar char="–"/>
+              <a:defRPr sz="1400" i="1" kern="1200" baseline="0">
+                <a:solidFill>
+                  <a:schemeClr val="tx2"/>
+                </a:solidFill>
+                <a:latin typeface="+mn-lt"/>
+                <a:ea typeface="+mn-ea"/>
+                <a:cs typeface="+mn-cs"/>
+              </a:defRPr>
+            </a:lvl8pPr>
+            <a:lvl9pPr marL="4114800" indent="-384048" algn="l" defTabSz="914400" rtl="0" eaLnBrk="1" latinLnBrk="0" hangingPunct="1">
+              <a:lnSpc>
+                <a:spcPct val="94000"/>
+              </a:lnSpc>
+              <a:spcBef>
+                <a:spcPts val="500"/>
+              </a:spcBef>
+              <a:spcAft>
+                <a:spcPts val="200"/>
+              </a:spcAft>
+              <a:buFont typeface="Franklin Gothic Book" panose="020B0503020102020204" pitchFamily="34" charset="0"/>
+              <a:buChar char="■"/>
+              <a:defRPr sz="1400" kern="1200" baseline="0">
+                <a:solidFill>
+                  <a:schemeClr val="tx2"/>
+                </a:solidFill>
+                <a:latin typeface="+mn-lt"/>
+                <a:ea typeface="+mn-ea"/>
+                <a:cs typeface="+mn-cs"/>
+              </a:defRPr>
+            </a:lvl9pPr>
+          </a:lstStyle>
+          <a:p>
+            <a:r>
+              <a:rPr lang="en-US" dirty="0" err="1"/>
+              <a:t>Zentrales</a:t>
+            </a:r>
+            <a:r>
+              <a:rPr lang="en-US" dirty="0"/>
+              <a:t> Repository</a:t>
+            </a:r>
+          </a:p>
+          <a:p>
+            <a:r>
+              <a:rPr lang="en-US" dirty="0"/>
+              <a:t>Lock Modify Unlock</a:t>
+            </a:r>
+          </a:p>
+          <a:p>
+            <a:r>
+              <a:rPr lang="en-US" dirty="0"/>
+              <a:t>Single Point of failure</a:t>
+            </a:r>
+          </a:p>
+        </p:txBody>
+      </p:sp>
+    </p:spTree>
+    <p:extLst>
+      <p:ext uri="{BB962C8B-B14F-4D97-AF65-F5344CB8AC3E}">
+        <p14:creationId xmlns:p14="http://schemas.microsoft.com/office/powerpoint/2010/main" val="2744564695"/>
+      </p:ext>
+    </p:extLst>
+  </p:cSld>
+  <p:clrMapOvr>
+    <a:masterClrMapping/>
+  </p:clrMapOvr>
+</p:sld>
+</file>
+
+<file path=ppt/slides/slide16.xml><?xml version="1.0" encoding="utf-8"?>
+<p:sld xmlns:a="http://schemas.openxmlformats.org/drawingml/2006/main" xmlns:r="http://schemas.openxmlformats.org/officeDocument/2006/relationships" xmlns:p="http://schemas.openxmlformats.org/presentationml/2006/main">
+  <p:cSld>
+    <p:spTree>
+      <p:nvGrpSpPr>
+        <p:cNvPr id="1" name=""/>
+        <p:cNvGrpSpPr/>
+        <p:nvPr/>
+      </p:nvGrpSpPr>
+      <p:grpSpPr>
+        <a:xfrm>
+          <a:off x="0" y="0"/>
+          <a:ext cx="0" cy="0"/>
+          <a:chOff x="0" y="0"/>
+          <a:chExt cx="0" cy="0"/>
+        </a:xfrm>
+      </p:grpSpPr>
+      <p:sp>
+        <p:nvSpPr>
+          <p:cNvPr id="2" name="Titel 1">
+            <a:extLst>
+              <a:ext uri="{FF2B5EF4-FFF2-40B4-BE49-F238E27FC236}">
                 <a16:creationId xmlns:a16="http://schemas.microsoft.com/office/drawing/2014/main" id="{3B54BDD1-3FDF-4204-83A7-B4313EB9FA61}"/>
               </a:ext>
             </a:extLst>
@@ -4393,7 +4991,21 @@
           <a:bodyPr/>
           <a:lstStyle/>
           <a:p>
-            <a:endParaRPr lang="de-DE"/>
+            <a:r>
+              <a:rPr lang="en-US" dirty="0" err="1"/>
+              <a:t>Präsentationsmaterial</a:t>
+            </a:r>
+            <a:r>
+              <a:rPr lang="en-US" dirty="0"/>
+              <a:t> (90min)</a:t>
+            </a:r>
+          </a:p>
+          <a:p>
+            <a:r>
+              <a:rPr lang="en-US" dirty="0" err="1"/>
+              <a:t>Dokumentation</a:t>
+            </a:r>
+            <a:endParaRPr lang="de-DE" dirty="0"/>
           </a:p>
         </p:txBody>
       </p:sp>
@@ -4482,7 +5094,31 @@
           <a:bodyPr/>
           <a:lstStyle/>
           <a:p>
-            <a:endParaRPr lang="de-DE"/>
+            <a:r>
+              <a:rPr lang="de-DE" dirty="0"/>
+              <a:t>Strukturierung</a:t>
+            </a:r>
+          </a:p>
+          <a:p>
+            <a:r>
+              <a:rPr lang="de-DE" dirty="0"/>
+              <a:t>Wartbarkeit</a:t>
+            </a:r>
+          </a:p>
+          <a:p>
+            <a:r>
+              <a:rPr lang="de-DE" dirty="0"/>
+              <a:t>Nachweisbarkeit</a:t>
+            </a:r>
+          </a:p>
+          <a:p>
+            <a:r>
+              <a:rPr lang="de-DE" dirty="0"/>
+              <a:t>Parallelität</a:t>
+            </a:r>
+          </a:p>
+          <a:p>
+            <a:endParaRPr lang="de-DE" dirty="0"/>
           </a:p>
         </p:txBody>
       </p:sp>
@@ -4566,7 +5202,76 @@
           <a:bodyPr/>
           <a:lstStyle/>
           <a:p>
-            <a:endParaRPr lang="de-DE"/>
+            <a:r>
+              <a:rPr lang="en-US" dirty="0"/>
+              <a:t>“</a:t>
+            </a:r>
+            <a:r>
+              <a:rPr lang="en-US" dirty="0" err="1"/>
+              <a:t>Projektarchiv</a:t>
+            </a:r>
+            <a:r>
+              <a:rPr lang="en-US" dirty="0"/>
+              <a:t>”</a:t>
+            </a:r>
+          </a:p>
+          <a:p>
+            <a:r>
+              <a:rPr lang="en-US" dirty="0" err="1"/>
+              <a:t>Zentraler</a:t>
+            </a:r>
+            <a:r>
+              <a:rPr lang="en-US" dirty="0"/>
+              <a:t> </a:t>
+            </a:r>
+            <a:r>
+              <a:rPr lang="en-US" dirty="0" err="1"/>
+              <a:t>Ablageort</a:t>
+            </a:r>
+            <a:r>
+              <a:rPr lang="en-US" dirty="0"/>
+              <a:t> </a:t>
+            </a:r>
+            <a:r>
+              <a:rPr lang="en-US" dirty="0" err="1"/>
+              <a:t>aller</a:t>
+            </a:r>
+            <a:r>
+              <a:rPr lang="en-US" dirty="0"/>
+              <a:t> </a:t>
+            </a:r>
+            <a:r>
+              <a:rPr lang="en-US" dirty="0" err="1"/>
+              <a:t>Dateien</a:t>
+            </a:r>
+            <a:endParaRPr lang="en-US" dirty="0"/>
+          </a:p>
+          <a:p>
+            <a:r>
+              <a:rPr lang="en-US" dirty="0" err="1"/>
+              <a:t>Visuelle</a:t>
+            </a:r>
+            <a:r>
+              <a:rPr lang="en-US" dirty="0"/>
+              <a:t> </a:t>
+            </a:r>
+            <a:r>
+              <a:rPr lang="en-US" dirty="0" err="1"/>
+              <a:t>Darstellung</a:t>
+            </a:r>
+            <a:r>
+              <a:rPr lang="en-US" dirty="0"/>
+              <a:t> </a:t>
+            </a:r>
+            <a:r>
+              <a:rPr lang="en-US" dirty="0" err="1"/>
+              <a:t>eines</a:t>
+            </a:r>
+            <a:r>
+              <a:rPr lang="en-US" dirty="0"/>
+              <a:t> Repositories: Baum</a:t>
+            </a:r>
+            <a:endParaRPr lang="de-DE" dirty="0"/>
           </a:p>
         </p:txBody>
       </p:sp>
@@ -4605,7 +5310,7 @@
           <p:cNvPr id="2" name="Titel 1">
             <a:extLst>
               <a:ext uri="{FF2B5EF4-FFF2-40B4-BE49-F238E27FC236}">
-                <a16:creationId xmlns:a16="http://schemas.microsoft.com/office/drawing/2014/main" id="{A2FCBE08-7A13-47A1-A765-B2B30D519C47}"/>
+                <a16:creationId xmlns:a16="http://schemas.microsoft.com/office/drawing/2014/main" id="{D600AEA3-8976-4541-BE19-1841E2533572}"/>
               </a:ext>
             </a:extLst>
           </p:cNvPr>
@@ -4623,7 +5328,7 @@
           <a:p>
             <a:r>
               <a:rPr lang="en-US" dirty="0"/>
-              <a:t>Git vs Subversion</a:t>
+              <a:t>Commit</a:t>
             </a:r>
             <a:endParaRPr lang="de-DE" dirty="0"/>
           </a:p>
@@ -4634,7 +5339,7 @@
           <p:cNvPr id="3" name="Inhaltsplatzhalter 2">
             <a:extLst>
               <a:ext uri="{FF2B5EF4-FFF2-40B4-BE49-F238E27FC236}">
-                <a16:creationId xmlns:a16="http://schemas.microsoft.com/office/drawing/2014/main" id="{EAA26339-6EEA-413F-A609-6212BF02EF4A}"/>
+                <a16:creationId xmlns:a16="http://schemas.microsoft.com/office/drawing/2014/main" id="{AD844188-B963-4EAC-89F4-EF838A381534}"/>
               </a:ext>
             </a:extLst>
           </p:cNvPr>
@@ -4650,14 +5355,124 @@
           <a:bodyPr/>
           <a:lstStyle/>
           <a:p>
-            <a:endParaRPr lang="de-DE"/>
+            <a:r>
+              <a:rPr lang="en-US" dirty="0" err="1"/>
+              <a:t>Zweites</a:t>
+            </a:r>
+            <a:r>
+              <a:rPr lang="en-US" dirty="0"/>
+              <a:t> Level</a:t>
+            </a:r>
+          </a:p>
+          <a:p>
+            <a:r>
+              <a:rPr lang="en-US" dirty="0"/>
+              <a:t>Commits </a:t>
+            </a:r>
+            <a:r>
+              <a:rPr lang="en-US" dirty="0" err="1"/>
+              <a:t>werden</a:t>
+            </a:r>
+            <a:r>
+              <a:rPr lang="en-US" dirty="0"/>
+              <a:t> der </a:t>
+            </a:r>
+            <a:r>
+              <a:rPr lang="en-US" dirty="0" err="1"/>
+              <a:t>lokalen</a:t>
+            </a:r>
+            <a:r>
+              <a:rPr lang="en-US" dirty="0"/>
+              <a:t> Commit </a:t>
+            </a:r>
+            <a:r>
+              <a:rPr lang="en-US" dirty="0" err="1"/>
+              <a:t>Historie</a:t>
+            </a:r>
+            <a:r>
+              <a:rPr lang="en-US" dirty="0"/>
+              <a:t> </a:t>
+            </a:r>
+            <a:r>
+              <a:rPr lang="en-US" dirty="0" err="1"/>
+              <a:t>angefügt</a:t>
+            </a:r>
+            <a:endParaRPr lang="en-US" dirty="0"/>
+          </a:p>
+          <a:p>
+            <a:r>
+              <a:rPr lang="en-US" dirty="0" err="1"/>
+              <a:t>Bereitgestellte</a:t>
+            </a:r>
+            <a:r>
+              <a:rPr lang="en-US" dirty="0"/>
+              <a:t> </a:t>
+            </a:r>
+            <a:r>
+              <a:rPr lang="en-US" dirty="0" err="1"/>
+              <a:t>Dateien</a:t>
+            </a:r>
+            <a:r>
+              <a:rPr lang="en-US" dirty="0"/>
+              <a:t> </a:t>
+            </a:r>
+            <a:r>
+              <a:rPr lang="en-US" dirty="0" err="1"/>
+              <a:t>werden</a:t>
+            </a:r>
+            <a:r>
+              <a:rPr lang="en-US" dirty="0"/>
+              <a:t> dem Commit </a:t>
+            </a:r>
+            <a:r>
+              <a:rPr lang="en-US" dirty="0" err="1"/>
+              <a:t>hinzugefügt</a:t>
+            </a:r>
+            <a:endParaRPr lang="en-US" dirty="0"/>
+          </a:p>
+          <a:p>
+            <a:r>
+              <a:rPr lang="en-US" dirty="0" err="1"/>
+              <a:t>Faustregel</a:t>
+            </a:r>
+            <a:r>
+              <a:rPr lang="en-US" dirty="0"/>
+              <a:t>: Nur </a:t>
+            </a:r>
+            <a:r>
+              <a:rPr lang="en-US" dirty="0" err="1"/>
+              <a:t>funktionierender</a:t>
+            </a:r>
+            <a:r>
+              <a:rPr lang="en-US" dirty="0"/>
+              <a:t> Code </a:t>
+            </a:r>
+            <a:r>
+              <a:rPr lang="en-US" dirty="0" err="1"/>
+              <a:t>wird</a:t>
+            </a:r>
+            <a:r>
+              <a:rPr lang="en-US" dirty="0"/>
+              <a:t> </a:t>
+            </a:r>
+            <a:r>
+              <a:rPr lang="en-US" dirty="0" err="1"/>
+              <a:t>commited</a:t>
+            </a:r>
+            <a:r>
+              <a:rPr lang="en-US" dirty="0"/>
+              <a:t>!</a:t>
+            </a:r>
+          </a:p>
+          <a:p>
+            <a:endParaRPr lang="de-DE" dirty="0"/>
           </a:p>
         </p:txBody>
       </p:sp>
     </p:spTree>
     <p:extLst>
       <p:ext uri="{BB962C8B-B14F-4D97-AF65-F5344CB8AC3E}">
-        <p14:creationId xmlns:p14="http://schemas.microsoft.com/office/powerpoint/2010/main" val="2744564695"/>
+        <p14:creationId xmlns:p14="http://schemas.microsoft.com/office/powerpoint/2010/main" val="2266147650"/>
       </p:ext>
     </p:extLst>
   </p:cSld>
@@ -4689,7 +5504,7 @@
           <p:cNvPr id="2" name="Titel 1">
             <a:extLst>
               <a:ext uri="{FF2B5EF4-FFF2-40B4-BE49-F238E27FC236}">
-                <a16:creationId xmlns:a16="http://schemas.microsoft.com/office/drawing/2014/main" id="{D600AEA3-8976-4541-BE19-1841E2533572}"/>
+                <a16:creationId xmlns:a16="http://schemas.microsoft.com/office/drawing/2014/main" id="{6057238D-DC5A-4834-91E6-5DA2CCCDDE09}"/>
               </a:ext>
             </a:extLst>
           </p:cNvPr>
@@ -4707,7 +5522,7 @@
           <a:p>
             <a:r>
               <a:rPr lang="en-US" dirty="0"/>
-              <a:t>Commit</a:t>
+              <a:t>Staging</a:t>
             </a:r>
             <a:endParaRPr lang="de-DE" dirty="0"/>
           </a:p>
@@ -4718,7 +5533,7 @@
           <p:cNvPr id="3" name="Inhaltsplatzhalter 2">
             <a:extLst>
               <a:ext uri="{FF2B5EF4-FFF2-40B4-BE49-F238E27FC236}">
-                <a16:creationId xmlns:a16="http://schemas.microsoft.com/office/drawing/2014/main" id="{AD844188-B963-4EAC-89F4-EF838A381534}"/>
+                <a16:creationId xmlns:a16="http://schemas.microsoft.com/office/drawing/2014/main" id="{41CAC07D-D0C2-497E-A830-52BE0269AFF4}"/>
               </a:ext>
             </a:extLst>
           </p:cNvPr>
@@ -4734,14 +5549,55 @@
           <a:bodyPr/>
           <a:lstStyle/>
           <a:p>
-            <a:endParaRPr lang="de-DE"/>
+            <a:r>
+              <a:rPr lang="en-US" dirty="0" err="1"/>
+              <a:t>Erstes</a:t>
+            </a:r>
+            <a:r>
+              <a:rPr lang="en-US" dirty="0"/>
+              <a:t> Level </a:t>
+            </a:r>
+          </a:p>
+          <a:p>
+            <a:r>
+              <a:rPr lang="en-US" dirty="0" err="1"/>
+              <a:t>Datei</a:t>
+            </a:r>
+            <a:r>
+              <a:rPr lang="en-US" dirty="0"/>
+              <a:t> </a:t>
+            </a:r>
+            <a:r>
+              <a:rPr lang="en-US" dirty="0" err="1"/>
+              <a:t>wird</a:t>
+            </a:r>
+            <a:r>
+              <a:rPr lang="en-US" dirty="0"/>
+              <a:t> </a:t>
+            </a:r>
+            <a:r>
+              <a:rPr lang="en-US" dirty="0" err="1"/>
+              <a:t>für</a:t>
+            </a:r>
+            <a:r>
+              <a:rPr lang="en-US" dirty="0"/>
+              <a:t> Commit </a:t>
+            </a:r>
+            <a:r>
+              <a:rPr lang="en-US" dirty="0" err="1"/>
+              <a:t>bereitgestellt</a:t>
+            </a:r>
+            <a:endParaRPr lang="en-US" dirty="0"/>
+          </a:p>
+          <a:p>
+            <a:endParaRPr lang="de-DE" dirty="0"/>
           </a:p>
         </p:txBody>
       </p:sp>
     </p:spTree>
     <p:extLst>
       <p:ext uri="{BB962C8B-B14F-4D97-AF65-F5344CB8AC3E}">
-        <p14:creationId xmlns:p14="http://schemas.microsoft.com/office/powerpoint/2010/main" val="2266147650"/>
+        <p14:creationId xmlns:p14="http://schemas.microsoft.com/office/powerpoint/2010/main" val="1891485394"/>
       </p:ext>
     </p:extLst>
   </p:cSld>
@@ -4818,7 +5674,159 @@
           <a:bodyPr/>
           <a:lstStyle/>
           <a:p>
-            <a:endParaRPr lang="de-DE"/>
+            <a:pPr marL="0" indent="0">
+              <a:buNone/>
+            </a:pPr>
+            <a:r>
+              <a:rPr lang="en-US" dirty="0"/>
+              <a:t>Push:</a:t>
+            </a:r>
+          </a:p>
+          <a:p>
+            <a:r>
+              <a:rPr lang="en-US" dirty="0" err="1"/>
+              <a:t>Drittes</a:t>
+            </a:r>
+            <a:r>
+              <a:rPr lang="en-US" dirty="0"/>
+              <a:t> Level</a:t>
+            </a:r>
+          </a:p>
+          <a:p>
+            <a:r>
+              <a:rPr lang="en-US" dirty="0"/>
+              <a:t>Commits </a:t>
+            </a:r>
+            <a:r>
+              <a:rPr lang="en-US" dirty="0" err="1"/>
+              <a:t>werden</a:t>
+            </a:r>
+            <a:r>
+              <a:rPr lang="en-US" dirty="0"/>
+              <a:t> der </a:t>
+            </a:r>
+            <a:r>
+              <a:rPr lang="en-US" dirty="0" err="1"/>
+              <a:t>globalen</a:t>
+            </a:r>
+            <a:r>
+              <a:rPr lang="en-US" dirty="0"/>
+              <a:t> Commit </a:t>
+            </a:r>
+            <a:r>
+              <a:rPr lang="en-US" dirty="0" err="1"/>
+              <a:t>Historie</a:t>
+            </a:r>
+            <a:r>
+              <a:rPr lang="en-US" dirty="0"/>
+              <a:t> </a:t>
+            </a:r>
+            <a:r>
+              <a:rPr lang="en-US" dirty="0" err="1"/>
+              <a:t>angefügt</a:t>
+            </a:r>
+            <a:endParaRPr lang="en-US" dirty="0"/>
+          </a:p>
+          <a:p>
+            <a:r>
+              <a:rPr lang="en-US" dirty="0" err="1"/>
+              <a:t>Lokale</a:t>
+            </a:r>
+            <a:r>
+              <a:rPr lang="en-US" dirty="0"/>
+              <a:t> </a:t>
+            </a:r>
+            <a:r>
+              <a:rPr lang="en-US" dirty="0" err="1"/>
+              <a:t>Änderungen</a:t>
+            </a:r>
+            <a:r>
+              <a:rPr lang="en-US" dirty="0"/>
+              <a:t> </a:t>
+            </a:r>
+            <a:r>
+              <a:rPr lang="en-US" dirty="0" err="1"/>
+              <a:t>werden</a:t>
+            </a:r>
+            <a:r>
+              <a:rPr lang="en-US" dirty="0"/>
+              <a:t> </a:t>
+            </a:r>
+            <a:r>
+              <a:rPr lang="en-US" dirty="0" err="1"/>
+              <a:t>für</a:t>
+            </a:r>
+            <a:r>
+              <a:rPr lang="en-US" dirty="0"/>
+              <a:t> </a:t>
+            </a:r>
+            <a:r>
+              <a:rPr lang="en-US" dirty="0" err="1"/>
+              <a:t>alle</a:t>
+            </a:r>
+            <a:r>
+              <a:rPr lang="en-US" dirty="0"/>
+              <a:t> </a:t>
+            </a:r>
+            <a:r>
+              <a:rPr lang="en-US" dirty="0" err="1"/>
+              <a:t>sichtbar</a:t>
+            </a:r>
+            <a:endParaRPr lang="en-US" dirty="0"/>
+          </a:p>
+          <a:p>
+            <a:pPr marL="0" indent="0">
+              <a:buNone/>
+            </a:pPr>
+            <a:r>
+              <a:rPr lang="en-US" dirty="0"/>
+              <a:t>Pull:</a:t>
+            </a:r>
+          </a:p>
+          <a:p>
+            <a:r>
+              <a:rPr lang="en-US" dirty="0" err="1"/>
+              <a:t>Globale</a:t>
+            </a:r>
+            <a:r>
+              <a:rPr lang="en-US" dirty="0"/>
+              <a:t> </a:t>
+            </a:r>
+            <a:r>
+              <a:rPr lang="en-US" dirty="0" err="1"/>
+              <a:t>Änderungen</a:t>
+            </a:r>
+            <a:r>
+              <a:rPr lang="en-US" dirty="0"/>
+              <a:t> </a:t>
+            </a:r>
+            <a:r>
+              <a:rPr lang="en-US" dirty="0" err="1"/>
+              <a:t>werden</a:t>
+            </a:r>
+            <a:r>
+              <a:rPr lang="en-US" dirty="0"/>
+              <a:t> </a:t>
+            </a:r>
+            <a:r>
+              <a:rPr lang="en-US" dirty="0" err="1"/>
+              <a:t>lokal</a:t>
+            </a:r>
+            <a:r>
+              <a:rPr lang="en-US" dirty="0"/>
+              <a:t> </a:t>
+            </a:r>
+            <a:r>
+              <a:rPr lang="en-US" dirty="0" err="1"/>
+              <a:t>synchronisiert</a:t>
+            </a:r>
+            <a:endParaRPr lang="en-US" dirty="0"/>
+          </a:p>
+          <a:p>
+            <a:endParaRPr lang="en-US" dirty="0"/>
+          </a:p>
+          <a:p>
+            <a:endParaRPr lang="de-DE" dirty="0"/>
           </a:p>
         </p:txBody>
       </p:sp>
@@ -4902,7 +5910,55 @@
           <a:bodyPr/>
           <a:lstStyle/>
           <a:p>
-            <a:endParaRPr lang="de-DE"/>
+            <a:r>
+              <a:rPr lang="en-US" dirty="0" err="1"/>
+              <a:t>Zwischenspeicher</a:t>
+            </a:r>
+            <a:endParaRPr lang="de-DE" dirty="0"/>
+          </a:p>
+          <a:p>
+            <a:pPr marL="0" indent="0">
+              <a:buNone/>
+            </a:pPr>
+            <a:r>
+              <a:rPr lang="en-US" dirty="0"/>
+              <a:t>Stash:</a:t>
+            </a:r>
+          </a:p>
+          <a:p>
+            <a:r>
+              <a:rPr lang="de-DE" dirty="0"/>
+              <a:t>Änderungen werden im </a:t>
+            </a:r>
+            <a:r>
+              <a:rPr lang="de-DE" dirty="0" err="1"/>
+              <a:t>Stash</a:t>
+            </a:r>
+            <a:r>
+              <a:rPr lang="de-DE" dirty="0"/>
+              <a:t> gespeichert</a:t>
+            </a:r>
+          </a:p>
+          <a:p>
+            <a:r>
+              <a:rPr lang="de-DE" dirty="0"/>
+              <a:t>Projektmappe wird gereinigt</a:t>
+            </a:r>
+          </a:p>
+          <a:p>
+            <a:pPr marL="0" indent="0">
+              <a:buNone/>
+            </a:pPr>
+            <a:r>
+              <a:rPr lang="de-DE" dirty="0"/>
+              <a:t>Pop:</a:t>
+            </a:r>
+          </a:p>
+          <a:p>
+            <a:r>
+              <a:rPr lang="de-DE" dirty="0"/>
+              <a:t>Änderungen werden auf Projektmappe angewandt</a:t>
+            </a:r>
           </a:p>
         </p:txBody>
       </p:sp>
@@ -4986,7 +6042,28 @@
           <a:bodyPr/>
           <a:lstStyle/>
           <a:p>
-            <a:endParaRPr lang="de-DE"/>
+            <a:r>
+              <a:rPr lang="en-US" dirty="0" err="1"/>
+              <a:t>Übersichtlichkeit</a:t>
+            </a:r>
+            <a:endParaRPr lang="en-US" dirty="0"/>
+          </a:p>
+          <a:p>
+            <a:r>
+              <a:rPr lang="en-US" dirty="0" err="1"/>
+              <a:t>Abzweigung</a:t>
+            </a:r>
+            <a:endParaRPr lang="en-US" dirty="0"/>
+          </a:p>
+          <a:p>
+            <a:pPr marL="0" indent="0">
+              <a:buNone/>
+            </a:pPr>
+            <a:r>
+              <a:rPr lang="en-US" dirty="0"/>
+              <a:t> </a:t>
+            </a:r>
+            <a:endParaRPr lang="de-DE" dirty="0"/>
           </a:p>
         </p:txBody>
       </p:sp>
@@ -5070,7 +6147,81 @@
           <a:bodyPr/>
           <a:lstStyle/>
           <a:p>
-            <a:endParaRPr lang="de-DE"/>
+            <a:pPr marL="0" indent="0">
+              <a:buNone/>
+            </a:pPr>
+            <a:r>
+              <a:rPr lang="en-US" dirty="0"/>
+              <a:t>Branches:</a:t>
+            </a:r>
+          </a:p>
+          <a:p>
+            <a:r>
+              <a:rPr lang="en-US" dirty="0"/>
+              <a:t>Master  	| Releases</a:t>
+            </a:r>
+          </a:p>
+          <a:p>
+            <a:r>
+              <a:rPr lang="en-US" dirty="0"/>
+              <a:t>Hotfix	| Hotfix-Branch</a:t>
+            </a:r>
+          </a:p>
+          <a:p>
+            <a:r>
+              <a:rPr lang="en-US" dirty="0"/>
+              <a:t>Release	| </a:t>
+            </a:r>
+            <a:r>
+              <a:rPr lang="en-US" dirty="0" err="1"/>
+              <a:t>Kanidaten</a:t>
+            </a:r>
+            <a:r>
+              <a:rPr lang="en-US" dirty="0"/>
+              <a:t> </a:t>
+            </a:r>
+            <a:r>
+              <a:rPr lang="en-US" dirty="0" err="1"/>
+              <a:t>für</a:t>
+            </a:r>
+            <a:r>
+              <a:rPr lang="en-US" dirty="0"/>
+              <a:t> Release</a:t>
+            </a:r>
+          </a:p>
+          <a:p>
+            <a:r>
+              <a:rPr lang="en-US" dirty="0"/>
+              <a:t>Develop	| </a:t>
+            </a:r>
+            <a:r>
+              <a:rPr lang="en-US" dirty="0" err="1"/>
+              <a:t>Hauptentwicklungspfad</a:t>
+            </a:r>
+            <a:endParaRPr lang="en-US" dirty="0"/>
+          </a:p>
+          <a:p>
+            <a:r>
+              <a:rPr lang="en-US" dirty="0"/>
+              <a:t>Feature	||| </a:t>
+            </a:r>
+            <a:r>
+              <a:rPr lang="en-US" dirty="0" err="1"/>
+              <a:t>Erweiterungen</a:t>
+            </a:r>
+            <a:r>
+              <a:rPr lang="en-US" dirty="0"/>
+              <a:t> von </a:t>
+            </a:r>
+            <a:r>
+              <a:rPr lang="en-US" dirty="0" err="1"/>
+              <a:t>Funktionen</a:t>
+            </a:r>
+            <a:r>
+              <a:rPr lang="en-US" dirty="0"/>
+              <a:t> </a:t>
+            </a:r>
+            <a:endParaRPr lang="de-DE" dirty="0"/>
           </a:p>
         </p:txBody>
       </p:sp>
